--- a/Data sets for heartbeat.pptx
+++ b/Data sets for heartbeat.pptx
@@ -119,6 +119,35 @@
 </p:presentation>
 </file>
 
+<file path=ppt/changesInfos/changesInfo1.xml><?xml version="1.0" encoding="utf-8"?>
+<pc:chgInfo xmlns:a="http://schemas.openxmlformats.org/drawingml/2006/main" xmlns:r="http://schemas.openxmlformats.org/officeDocument/2006/relationships" xmlns:ac="http://schemas.microsoft.com/office/drawing/2013/main/command" xmlns:pc="http://schemas.microsoft.com/office/powerpoint/2013/main/command">
+  <pc:docChgLst>
+    <pc:chgData name="Vissapragada,Sai Tejaswee" userId="ac5152bd-e08b-42ef-87f5-6857be20e85f" providerId="ADAL" clId="{06A5D9C2-8885-40C8-BC4F-6174B5FB7FF3}"/>
+    <pc:docChg chg="modSld">
+      <pc:chgData name="Vissapragada,Sai Tejaswee" userId="ac5152bd-e08b-42ef-87f5-6857be20e85f" providerId="ADAL" clId="{06A5D9C2-8885-40C8-BC4F-6174B5FB7FF3}" dt="2022-10-03T17:15:56.931" v="0" actId="20577"/>
+      <pc:docMkLst>
+        <pc:docMk/>
+      </pc:docMkLst>
+      <pc:sldChg chg="modSp mod">
+        <pc:chgData name="Vissapragada,Sai Tejaswee" userId="ac5152bd-e08b-42ef-87f5-6857be20e85f" providerId="ADAL" clId="{06A5D9C2-8885-40C8-BC4F-6174B5FB7FF3}" dt="2022-10-03T17:15:56.931" v="0" actId="20577"/>
+        <pc:sldMkLst>
+          <pc:docMk/>
+          <pc:sldMk cId="2311033443" sldId="309"/>
+        </pc:sldMkLst>
+        <pc:spChg chg="mod">
+          <ac:chgData name="Vissapragada,Sai Tejaswee" userId="ac5152bd-e08b-42ef-87f5-6857be20e85f" providerId="ADAL" clId="{06A5D9C2-8885-40C8-BC4F-6174B5FB7FF3}" dt="2022-10-03T17:15:56.931" v="0" actId="20577"/>
+          <ac:spMkLst>
+            <pc:docMk/>
+            <pc:sldMk cId="2311033443" sldId="309"/>
+            <ac:spMk id="3" creationId="{46DF7D48-88B8-1BA4-A57C-E0FD497FD934}"/>
+          </ac:spMkLst>
+        </pc:spChg>
+      </pc:sldChg>
+    </pc:docChg>
+  </pc:docChgLst>
+</pc:chgInfo>
+</file>
+
 <file path=ppt/slideLayouts/slideLayout1.xml><?xml version="1.0" encoding="utf-8"?>
 <p:sldLayout xmlns:a="http://schemas.openxmlformats.org/drawingml/2006/main" xmlns:r="http://schemas.openxmlformats.org/officeDocument/2006/relationships" xmlns:p="http://schemas.openxmlformats.org/presentationml/2006/main" showMasterSp="0" type="title" preserve="1">
   <p:cSld name="Title Slide">
@@ -363,7 +392,7 @@
           <a:p>
             <a:fld id="{9184DA70-C731-4C70-880D-CCD4705E623C}" type="datetime1">
               <a:rPr lang="en-US" smtClean="0"/>
-              <a:t>5/24/2022</a:t>
+              <a:t>10/3/2022</a:t>
             </a:fld>
             <a:endParaRPr lang="en-US" dirty="0"/>
           </a:p>
@@ -551,7 +580,7 @@
           <a:p>
             <a:fld id="{4BE1D723-8F53-4F53-90B0-1982A396982E}" type="datetime1">
               <a:rPr lang="en-US" smtClean="0"/>
-              <a:t>5/24/2022</a:t>
+              <a:t>10/3/2022</a:t>
             </a:fld>
             <a:endParaRPr lang="en-US" dirty="0"/>
           </a:p>
@@ -924,7 +953,7 @@
           <a:p>
             <a:fld id="{97669AF7-7BEB-44E4-9852-375E34362B5B}" type="datetime1">
               <a:rPr lang="en-US" smtClean="0"/>
-              <a:t>5/24/2022</a:t>
+              <a:t>10/3/2022</a:t>
             </a:fld>
             <a:endParaRPr lang="en-US" dirty="0"/>
           </a:p>
@@ -1179,7 +1208,7 @@
           <a:p>
             <a:fld id="{BAAAC38D-0552-4C82-B593-E6124DFADBE2}" type="datetime1">
               <a:rPr lang="en-US" smtClean="0"/>
-              <a:t>5/24/2022</a:t>
+              <a:t>10/3/2022</a:t>
             </a:fld>
             <a:endParaRPr lang="en-US" dirty="0"/>
           </a:p>
@@ -1576,7 +1605,7 @@
           <a:p>
             <a:fld id="{D9DF0F1C-5577-4ACB-BB62-DF8F3C494C7E}" type="datetime1">
               <a:rPr lang="en-US" smtClean="0"/>
-              <a:t>5/24/2022</a:t>
+              <a:t>10/3/2022</a:t>
             </a:fld>
             <a:endParaRPr lang="en-US" dirty="0"/>
           </a:p>
@@ -1712,7 +1741,7 @@
           <a:p>
             <a:fld id="{1775B394-D9F9-4F0C-B15D-605F45CB9E9F}" type="datetime1">
               <a:rPr lang="en-US" smtClean="0"/>
-              <a:t>5/24/2022</a:t>
+              <a:t>10/3/2022</a:t>
             </a:fld>
             <a:endParaRPr lang="en-US" dirty="0"/>
           </a:p>
@@ -1869,7 +1898,7 @@
           <a:p>
             <a:fld id="{39667345-2558-425A-8533-9BFDBCE15005}" type="datetime1">
               <a:rPr lang="en-US" smtClean="0"/>
-              <a:t>5/24/2022</a:t>
+              <a:t>10/3/2022</a:t>
             </a:fld>
             <a:endParaRPr lang="en-US" dirty="0"/>
           </a:p>
@@ -2198,7 +2227,7 @@
           <a:p>
             <a:fld id="{92BEA474-078D-4E9B-9B14-09A87B19DC46}" type="datetime1">
               <a:rPr lang="en-US" smtClean="0"/>
-              <a:t>5/24/2022</a:t>
+              <a:t>10/3/2022</a:t>
             </a:fld>
             <a:endParaRPr lang="en-US" dirty="0"/>
           </a:p>
@@ -2548,7 +2577,7 @@
           <a:p>
             <a:fld id="{4907D986-8816-4272-A432-0437A28A9828}" type="datetime1">
               <a:rPr lang="en-US" smtClean="0"/>
-              <a:t>5/24/2022</a:t>
+              <a:t>10/3/2022</a:t>
             </a:fld>
             <a:endParaRPr lang="en-US" dirty="0"/>
           </a:p>
@@ -2809,7 +2838,7 @@
           <a:p>
             <a:fld id="{62D6E202-B606-4609-B914-27C9371A1F6D}" type="datetime1">
               <a:rPr lang="en-US" smtClean="0"/>
-              <a:t>5/24/2022</a:t>
+              <a:t>10/3/2022</a:t>
             </a:fld>
             <a:endParaRPr lang="en-US" dirty="0"/>
           </a:p>
@@ -5406,7 +5435,15 @@
             </a:pPr>
             <a:r>
               <a:rPr lang="en-US" dirty="0"/>
-              <a:t>The data is in CSV. File</a:t>
+              <a:t>The data is </a:t>
+            </a:r>
+            <a:r>
+              <a:rPr lang="en-US"/>
+              <a:t>in CSV </a:t>
+            </a:r>
+            <a:r>
+              <a:rPr lang="en-US" dirty="0"/>
+              <a:t>File</a:t>
             </a:r>
           </a:p>
           <a:p>
@@ -5804,21 +5841,21 @@
 </file>
 
 <file path=customXml/item1.xml><?xml version="1.0" encoding="utf-8"?>
+<?mso-contentType ?>
+<FormTemplates xmlns="http://schemas.microsoft.com/sharepoint/v3/contenttype/forms">
+  <Display>DocumentLibraryForm</Display>
+  <Edit>DocumentLibraryForm</Edit>
+  <New>DocumentLibraryForm</New>
+</FormTemplates>
+</file>
+
+<file path=customXml/item2.xml><?xml version="1.0" encoding="utf-8"?>
 <p:properties xmlns:p="http://schemas.microsoft.com/office/2006/metadata/properties" xmlns:xsi="http://www.w3.org/2001/XMLSchema-instance" xmlns:pc="http://schemas.microsoft.com/office/infopath/2007/PartnerControls">
   <documentManagement>
     <Status xmlns="71af3243-3dd4-4a8d-8c0d-dd76da1f02a5">Not started</Status>
     <MediaServiceKeyPoints xmlns="71af3243-3dd4-4a8d-8c0d-dd76da1f02a5" xsi:nil="true"/>
   </documentManagement>
 </p:properties>
-</file>
-
-<file path=customXml/item2.xml><?xml version="1.0" encoding="utf-8"?>
-<?mso-contentType ?>
-<FormTemplates xmlns="http://schemas.microsoft.com/sharepoint/v3/contenttype/forms">
-  <Display>DocumentLibraryForm</Display>
-  <Edit>DocumentLibraryForm</Edit>
-  <New>DocumentLibraryForm</New>
-</FormTemplates>
 </file>
 
 <file path=customXml/item3.xml><?xml version="1.0" encoding="utf-8"?>
@@ -6043,19 +6080,19 @@
 </file>
 
 <file path=customXml/itemProps1.xml><?xml version="1.0" encoding="utf-8"?>
+<ds:datastoreItem xmlns:ds="http://schemas.openxmlformats.org/officeDocument/2006/customXml" ds:itemID="{AA3F7EDC-E5B4-4BBC-9D2A-CBE6D46C37AD}">
+  <ds:schemaRefs>
+    <ds:schemaRef ds:uri="http://schemas.microsoft.com/sharepoint/v3/contenttype/forms"/>
+  </ds:schemaRefs>
+</ds:datastoreItem>
+</file>
+
+<file path=customXml/itemProps2.xml><?xml version="1.0" encoding="utf-8"?>
 <ds:datastoreItem xmlns:ds="http://schemas.openxmlformats.org/officeDocument/2006/customXml" ds:itemID="{A03EEFF0-FB57-4CB4-8BFC-DF397689E2ED}">
   <ds:schemaRefs>
     <ds:schemaRef ds:uri="http://schemas.microsoft.com/office/2006/metadata/properties"/>
     <ds:schemaRef ds:uri="http://schemas.microsoft.com/office/infopath/2007/PartnerControls"/>
     <ds:schemaRef ds:uri="71af3243-3dd4-4a8d-8c0d-dd76da1f02a5"/>
-  </ds:schemaRefs>
-</ds:datastoreItem>
-</file>
-
-<file path=customXml/itemProps2.xml><?xml version="1.0" encoding="utf-8"?>
-<ds:datastoreItem xmlns:ds="http://schemas.openxmlformats.org/officeDocument/2006/customXml" ds:itemID="{AA3F7EDC-E5B4-4BBC-9D2A-CBE6D46C37AD}">
-  <ds:schemaRefs>
-    <ds:schemaRef ds:uri="http://schemas.microsoft.com/sharepoint/v3/contenttype/forms"/>
   </ds:schemaRefs>
 </ds:datastoreItem>
 </file>
